--- a/images/Edge-samples-figures.pptx
+++ b/images/Edge-samples-figures.pptx
@@ -110,6 +110,11 @@
       </a:defRPr>
     </a:lvl9pPr>
   </p:defaultTextStyle>
+  <p:extLst>
+    <p:ext uri="{EFAFB233-063F-42B5-8137-9DF3F51BA10A}">
+      <p15:sldGuideLst xmlns:p15="http://schemas.microsoft.com/office/powerpoint/2012/main"/>
+    </p:ext>
+  </p:extLst>
 </p:presentation>
 </file>
 
@@ -195,7 +200,7 @@
           <a:p>
             <a:fld id="{98C0E086-AC8A-8C45-B91B-B415E05B0F2E}" type="datetimeFigureOut">
               <a:rPr lang="en-US" smtClean="0"/>
-              <a:t>8/17/20</a:t>
+              <a:t>8/19/20</a:t>
             </a:fld>
             <a:endParaRPr lang="en-US"/>
           </a:p>
@@ -861,7 +866,7 @@
           <a:p>
             <a:fld id="{D5FAC0FF-A80B-9342-A074-7719B03CD708}" type="datetimeFigureOut">
               <a:rPr lang="en-US" smtClean="0"/>
-              <a:t>8/17/20</a:t>
+              <a:t>8/19/20</a:t>
             </a:fld>
             <a:endParaRPr lang="en-US"/>
           </a:p>
@@ -1059,7 +1064,7 @@
           <a:p>
             <a:fld id="{D5FAC0FF-A80B-9342-A074-7719B03CD708}" type="datetimeFigureOut">
               <a:rPr lang="en-US" smtClean="0"/>
-              <a:t>8/17/20</a:t>
+              <a:t>8/19/20</a:t>
             </a:fld>
             <a:endParaRPr lang="en-US"/>
           </a:p>
@@ -1267,7 +1272,7 @@
           <a:p>
             <a:fld id="{D5FAC0FF-A80B-9342-A074-7719B03CD708}" type="datetimeFigureOut">
               <a:rPr lang="en-US" smtClean="0"/>
-              <a:t>8/17/20</a:t>
+              <a:t>8/19/20</a:t>
             </a:fld>
             <a:endParaRPr lang="en-US"/>
           </a:p>
@@ -1465,7 +1470,7 @@
           <a:p>
             <a:fld id="{D5FAC0FF-A80B-9342-A074-7719B03CD708}" type="datetimeFigureOut">
               <a:rPr lang="en-US" smtClean="0"/>
-              <a:t>8/17/20</a:t>
+              <a:t>8/19/20</a:t>
             </a:fld>
             <a:endParaRPr lang="en-US"/>
           </a:p>
@@ -1740,7 +1745,7 @@
           <a:p>
             <a:fld id="{D5FAC0FF-A80B-9342-A074-7719B03CD708}" type="datetimeFigureOut">
               <a:rPr lang="en-US" smtClean="0"/>
-              <a:t>8/17/20</a:t>
+              <a:t>8/19/20</a:t>
             </a:fld>
             <a:endParaRPr lang="en-US"/>
           </a:p>
@@ -2005,7 +2010,7 @@
           <a:p>
             <a:fld id="{D5FAC0FF-A80B-9342-A074-7719B03CD708}" type="datetimeFigureOut">
               <a:rPr lang="en-US" smtClean="0"/>
-              <a:t>8/17/20</a:t>
+              <a:t>8/19/20</a:t>
             </a:fld>
             <a:endParaRPr lang="en-US"/>
           </a:p>
@@ -2417,7 +2422,7 @@
           <a:p>
             <a:fld id="{D5FAC0FF-A80B-9342-A074-7719B03CD708}" type="datetimeFigureOut">
               <a:rPr lang="en-US" smtClean="0"/>
-              <a:t>8/17/20</a:t>
+              <a:t>8/19/20</a:t>
             </a:fld>
             <a:endParaRPr lang="en-US"/>
           </a:p>
@@ -2558,7 +2563,7 @@
           <a:p>
             <a:fld id="{D5FAC0FF-A80B-9342-A074-7719B03CD708}" type="datetimeFigureOut">
               <a:rPr lang="en-US" smtClean="0"/>
-              <a:t>8/17/20</a:t>
+              <a:t>8/19/20</a:t>
             </a:fld>
             <a:endParaRPr lang="en-US"/>
           </a:p>
@@ -2671,7 +2676,7 @@
           <a:p>
             <a:fld id="{D5FAC0FF-A80B-9342-A074-7719B03CD708}" type="datetimeFigureOut">
               <a:rPr lang="en-US" smtClean="0"/>
-              <a:t>8/17/20</a:t>
+              <a:t>8/19/20</a:t>
             </a:fld>
             <a:endParaRPr lang="en-US"/>
           </a:p>
@@ -2982,7 +2987,7 @@
           <a:p>
             <a:fld id="{D5FAC0FF-A80B-9342-A074-7719B03CD708}" type="datetimeFigureOut">
               <a:rPr lang="en-US" smtClean="0"/>
-              <a:t>8/17/20</a:t>
+              <a:t>8/19/20</a:t>
             </a:fld>
             <a:endParaRPr lang="en-US"/>
           </a:p>
@@ -3270,7 +3275,7 @@
           <a:p>
             <a:fld id="{D5FAC0FF-A80B-9342-A074-7719B03CD708}" type="datetimeFigureOut">
               <a:rPr lang="en-US" smtClean="0"/>
-              <a:t>8/17/20</a:t>
+              <a:t>8/19/20</a:t>
             </a:fld>
             <a:endParaRPr lang="en-US"/>
           </a:p>
@@ -3511,7 +3516,7 @@
           <a:p>
             <a:fld id="{D5FAC0FF-A80B-9342-A074-7719B03CD708}" type="datetimeFigureOut">
               <a:rPr lang="en-US" smtClean="0"/>
-              <a:t>8/17/20</a:t>
+              <a:t>8/19/20</a:t>
             </a:fld>
             <a:endParaRPr lang="en-US"/>
           </a:p>
@@ -4986,7 +4991,7 @@
           <a:prstGeom prst="straightConnector1">
             <a:avLst/>
           </a:prstGeom>
-          <a:ln>
+          <a:ln w="19050">
             <a:headEnd type="none"/>
             <a:tailEnd type="triangle"/>
           </a:ln>
@@ -9551,8 +9556,8 @@
         </p:nvSpPr>
         <p:spPr>
           <a:xfrm>
-            <a:off x="1048870" y="5215645"/>
-            <a:ext cx="2760478" cy="430887"/>
+            <a:off x="767805" y="5043966"/>
+            <a:ext cx="3442478" cy="523220"/>
           </a:xfrm>
           <a:prstGeom prst="rect">
             <a:avLst/>
@@ -9583,7 +9588,7 @@
               <a:defRPr/>
             </a:pPr>
             <a:r>
-              <a:rPr kumimoji="0" lang="en-US" sz="1100" b="0" i="0" u="none" strike="noStrike" kern="1200" cap="none" spc="0" normalizeH="0" baseline="0" noProof="0" dirty="0">
+              <a:rPr kumimoji="0" lang="en-US" sz="1400" b="0" i="0" u="none" strike="noStrike" kern="1200" cap="none" spc="0" normalizeH="0" baseline="0" noProof="0" dirty="0">
                 <a:ln>
                   <a:noFill/>
                 </a:ln>
@@ -9619,7 +9624,7 @@
               <a:defRPr/>
             </a:pPr>
             <a:r>
-              <a:rPr lang="en-US" sz="1100" dirty="0">
+              <a:rPr lang="en-US" sz="1400" dirty="0">
                 <a:solidFill>
                   <a:prstClr val="black"/>
                 </a:solidFill>
@@ -9654,7 +9659,7 @@
               <a:gd name="adj1" fmla="val 100120"/>
             </a:avLst>
           </a:prstGeom>
-          <a:ln>
+          <a:ln w="25400">
             <a:tailEnd type="triangle"/>
           </a:ln>
         </p:spPr>
@@ -10449,7 +10454,7 @@
           <a:prstGeom prst="straightConnector1">
             <a:avLst/>
           </a:prstGeom>
-          <a:ln>
+          <a:ln w="25400">
             <a:headEnd type="triangle"/>
             <a:tailEnd type="triangle"/>
           </a:ln>
@@ -10491,7 +10496,7 @@
           <a:prstGeom prst="straightConnector1">
             <a:avLst/>
           </a:prstGeom>
-          <a:ln>
+          <a:ln w="25400">
             <a:headEnd type="triangle"/>
             <a:tailEnd type="triangle"/>
           </a:ln>
@@ -10533,7 +10538,7 @@
           <a:prstGeom prst="straightConnector1">
             <a:avLst/>
           </a:prstGeom>
-          <a:ln>
+          <a:ln w="25400">
             <a:headEnd type="triangle"/>
             <a:tailEnd type="triangle"/>
           </a:ln>
@@ -10573,7 +10578,7 @@
           <a:prstGeom prst="straightConnector1">
             <a:avLst/>
           </a:prstGeom>
-          <a:ln>
+          <a:ln w="25400">
             <a:headEnd type="triangle"/>
             <a:tailEnd type="triangle"/>
           </a:ln>
@@ -10690,8 +10695,8 @@
         </p:nvSpPr>
         <p:spPr>
           <a:xfrm>
-            <a:off x="1093099" y="6336381"/>
-            <a:ext cx="1741182" cy="261610"/>
+            <a:off x="799315" y="6348829"/>
+            <a:ext cx="2159502" cy="307777"/>
           </a:xfrm>
           <a:prstGeom prst="rect">
             <a:avLst/>
@@ -10705,7 +10710,7 @@
           <a:lstStyle/>
           <a:p>
             <a:r>
-              <a:rPr lang="en-US" sz="1100" dirty="0">
+              <a:rPr lang="en-US" sz="1400" dirty="0">
                 <a:latin typeface="Trebuchet MS" panose="020B0703020202090204" pitchFamily="34" charset="0"/>
               </a:rPr>
               <a:t>6. View the runtime logs</a:t>
@@ -10727,8 +10732,8 @@
         </p:nvSpPr>
         <p:spPr>
           <a:xfrm>
-            <a:off x="1106591" y="5673078"/>
-            <a:ext cx="2957861" cy="430887"/>
+            <a:off x="799315" y="5630220"/>
+            <a:ext cx="3708066" cy="523220"/>
           </a:xfrm>
           <a:prstGeom prst="rect">
             <a:avLst/>
@@ -10742,7 +10747,7 @@
           <a:lstStyle/>
           <a:p>
             <a:r>
-              <a:rPr lang="en-US" sz="1100" dirty="0">
+              <a:rPr lang="en-US" sz="1400" dirty="0">
                 <a:latin typeface="Trebuchet MS" panose="020B0703020202090204" pitchFamily="34" charset="0"/>
               </a:rPr>
               <a:t>5. Deploy application package to Edge node</a:t>
@@ -10750,7 +10755,7 @@
           </a:p>
           <a:p>
             <a:r>
-              <a:rPr lang="en-US" sz="1100" dirty="0">
+              <a:rPr lang="en-US" sz="1400" dirty="0">
                 <a:latin typeface="Trebuchet MS" panose="020B0703020202090204" pitchFamily="34" charset="0"/>
               </a:rPr>
               <a:t>     (with submission time values)</a:t>
@@ -10772,8 +10777,8 @@
         </p:nvSpPr>
         <p:spPr>
           <a:xfrm>
-            <a:off x="1235971" y="1594246"/>
-            <a:ext cx="2600392" cy="430887"/>
+            <a:off x="777733" y="1480599"/>
+            <a:ext cx="3249608" cy="523220"/>
           </a:xfrm>
           <a:prstGeom prst="rect">
             <a:avLst/>
@@ -10787,7 +10792,7 @@
           <a:lstStyle/>
           <a:p>
             <a:r>
-              <a:rPr lang="en-US" sz="1100" dirty="0">
+              <a:rPr lang="en-US" sz="1400" dirty="0">
                 <a:latin typeface="Trebuchet MS" panose="020B0703020202090204" pitchFamily="34" charset="0"/>
               </a:rPr>
               <a:t>3. Select Edge nodes </a:t>
@@ -10795,7 +10800,7 @@
           </a:p>
           <a:p>
             <a:r>
-              <a:rPr lang="en-US" sz="1100" dirty="0">
+              <a:rPr lang="en-US" sz="1400" dirty="0">
                 <a:latin typeface="Trebuchet MS" panose="020B0703020202090204" pitchFamily="34" charset="0"/>
               </a:rPr>
               <a:t>       for development and deployment</a:t>
@@ -10817,8 +10822,8 @@
         </p:nvSpPr>
         <p:spPr>
           <a:xfrm>
-            <a:off x="400835" y="3304591"/>
-            <a:ext cx="1462260" cy="430887"/>
+            <a:off x="388136" y="3242692"/>
+            <a:ext cx="1760418" cy="523220"/>
           </a:xfrm>
           <a:prstGeom prst="rect">
             <a:avLst/>
@@ -10835,12 +10840,18 @@
               <a:rPr lang="en-US" sz="1100" dirty="0">
                 <a:latin typeface="Trebuchet MS" panose="020B0703020202090204" pitchFamily="34" charset="0"/>
               </a:rPr>
-              <a:t>2. Build application </a:t>
-            </a:r>
-          </a:p>
-          <a:p>
-            <a:r>
-              <a:rPr lang="en-US" sz="1100" dirty="0">
+              <a:t>2. </a:t>
+            </a:r>
+            <a:r>
+              <a:rPr lang="en-US" sz="1400" dirty="0">
+                <a:latin typeface="Trebuchet MS" panose="020B0703020202090204" pitchFamily="34" charset="0"/>
+              </a:rPr>
+              <a:t>Build application </a:t>
+            </a:r>
+          </a:p>
+          <a:p>
+            <a:r>
+              <a:rPr lang="en-US" sz="1400" dirty="0">
                 <a:latin typeface="Trebuchet MS" panose="020B0703020202090204" pitchFamily="34" charset="0"/>
               </a:rPr>
               <a:t>      for the Edge</a:t>
@@ -10862,8 +10873,8 @@
         </p:nvSpPr>
         <p:spPr>
           <a:xfrm>
-            <a:off x="386014" y="3020953"/>
-            <a:ext cx="1577676" cy="261610"/>
+            <a:off x="410266" y="2934915"/>
+            <a:ext cx="1954381" cy="307777"/>
           </a:xfrm>
           <a:prstGeom prst="rect">
             <a:avLst/>
@@ -10877,11 +10888,11 @@
           <a:lstStyle/>
           <a:p>
             <a:r>
-              <a:rPr lang="en-US" sz="1100" dirty="0"/>
+              <a:rPr lang="en-US" sz="1400" dirty="0"/>
               <a:t>1. </a:t>
             </a:r>
             <a:r>
-              <a:rPr lang="en-US" sz="1100" dirty="0">
+              <a:rPr lang="en-US" sz="1400" dirty="0">
                 <a:latin typeface="Trebuchet MS" panose="020B0703020202090204" pitchFamily="34" charset="0"/>
               </a:rPr>
               <a:t>Develop application</a:t>
@@ -10911,7 +10922,7 @@
           <a:prstGeom prst="straightConnector1">
             <a:avLst/>
           </a:prstGeom>
-          <a:ln>
+          <a:ln w="25400">
             <a:headEnd type="none"/>
             <a:tailEnd type="triangle"/>
           </a:ln>
@@ -10955,7 +10966,7 @@
               <a:gd name="adj1" fmla="val 241"/>
             </a:avLst>
           </a:prstGeom>
-          <a:ln>
+          <a:ln w="25400">
             <a:tailEnd type="triangle"/>
           </a:ln>
         </p:spPr>
@@ -10998,7 +11009,7 @@
               <a:gd name="adj1" fmla="val -479"/>
             </a:avLst>
           </a:prstGeom>
-          <a:ln>
+          <a:ln w="25400">
             <a:tailEnd type="triangle"/>
           </a:ln>
         </p:spPr>
@@ -11378,8 +11389,8 @@
         </p:nvSpPr>
         <p:spPr>
           <a:xfrm>
-            <a:off x="1150115" y="1566942"/>
-            <a:ext cx="2760478" cy="430887"/>
+            <a:off x="843266" y="1537426"/>
+            <a:ext cx="3573273" cy="523220"/>
           </a:xfrm>
           <a:prstGeom prst="rect">
             <a:avLst/>
@@ -11410,7 +11421,7 @@
               <a:defRPr/>
             </a:pPr>
             <a:r>
-              <a:rPr kumimoji="0" lang="en-US" sz="1100" b="0" i="0" u="none" strike="noStrike" kern="1200" cap="none" spc="0" normalizeH="0" baseline="0" noProof="0" dirty="0">
+              <a:rPr kumimoji="0" lang="en-US" sz="1400" b="0" i="0" u="none" strike="noStrike" kern="1200" cap="none" spc="0" normalizeH="0" baseline="0" noProof="0" dirty="0">
                 <a:ln>
                   <a:noFill/>
                 </a:ln>
@@ -11446,7 +11457,7 @@
               <a:defRPr/>
             </a:pPr>
             <a:r>
-              <a:rPr lang="en-US" sz="1100" dirty="0">
+              <a:rPr lang="en-US" sz="1400" dirty="0">
                 <a:solidFill>
                   <a:prstClr val="black"/>
                 </a:solidFill>
@@ -11481,7 +11492,7 @@
               <a:gd name="adj1" fmla="val 100120"/>
             </a:avLst>
           </a:prstGeom>
-          <a:ln>
+          <a:ln w="25400">
             <a:tailEnd type="triangle"/>
           </a:ln>
         </p:spPr>
@@ -12210,7 +12221,7 @@
           <a:prstGeom prst="straightConnector1">
             <a:avLst/>
           </a:prstGeom>
-          <a:ln>
+          <a:ln w="25400">
             <a:headEnd type="triangle"/>
             <a:tailEnd type="triangle"/>
           </a:ln>
@@ -12252,7 +12263,7 @@
           <a:prstGeom prst="straightConnector1">
             <a:avLst/>
           </a:prstGeom>
-          <a:ln>
+          <a:ln w="25400">
             <a:headEnd type="triangle"/>
             <a:tailEnd type="triangle"/>
           </a:ln>
@@ -12287,7 +12298,7 @@
         <p:spPr>
           <a:xfrm>
             <a:off x="1093099" y="6336381"/>
-            <a:ext cx="1741182" cy="261610"/>
+            <a:ext cx="2159502" cy="307777"/>
           </a:xfrm>
           <a:prstGeom prst="rect">
             <a:avLst/>
@@ -12301,7 +12312,7 @@
           <a:lstStyle/>
           <a:p>
             <a:r>
-              <a:rPr lang="en-US" sz="1100" dirty="0">
+              <a:rPr lang="en-US" sz="1400" dirty="0">
                 <a:latin typeface="Trebuchet MS" panose="020B0703020202090204" pitchFamily="34" charset="0"/>
               </a:rPr>
               <a:t>6. View the runtime logs</a:t>
@@ -12323,8 +12334,8 @@
         </p:nvSpPr>
         <p:spPr>
           <a:xfrm>
-            <a:off x="1150115" y="2257697"/>
-            <a:ext cx="2957861" cy="261610"/>
+            <a:off x="705417" y="2242544"/>
+            <a:ext cx="3708066" cy="307777"/>
           </a:xfrm>
           <a:prstGeom prst="rect">
             <a:avLst/>
@@ -12338,7 +12349,7 @@
           <a:lstStyle/>
           <a:p>
             <a:r>
-              <a:rPr lang="en-US" sz="1100" dirty="0">
+              <a:rPr lang="en-US" sz="1400" dirty="0">
                 <a:latin typeface="Trebuchet MS" panose="020B0703020202090204" pitchFamily="34" charset="0"/>
               </a:rPr>
               <a:t>5. Deploy application package to Edge node</a:t>
@@ -12360,8 +12371,53 @@
         </p:nvSpPr>
         <p:spPr>
           <a:xfrm>
-            <a:off x="1230158" y="1037670"/>
-            <a:ext cx="2600392" cy="430887"/>
+            <a:off x="997084" y="911574"/>
+            <a:ext cx="3265635" cy="523220"/>
+          </a:xfrm>
+          <a:prstGeom prst="rect">
+            <a:avLst/>
+          </a:prstGeom>
+          <a:noFill/>
+        </p:spPr>
+        <p:txBody>
+          <a:bodyPr wrap="square" rtlCol="0">
+            <a:spAutoFit/>
+          </a:bodyPr>
+          <a:lstStyle/>
+          <a:p>
+            <a:r>
+              <a:rPr lang="en-US" sz="1400" dirty="0">
+                <a:latin typeface="Trebuchet MS" panose="020B0703020202090204" pitchFamily="34" charset="0"/>
+              </a:rPr>
+              <a:t>3. Select Edge nodes </a:t>
+            </a:r>
+          </a:p>
+          <a:p>
+            <a:r>
+              <a:rPr lang="en-US" sz="1400" dirty="0">
+                <a:latin typeface="Trebuchet MS" panose="020B0703020202090204" pitchFamily="34" charset="0"/>
+              </a:rPr>
+              <a:t>       for development and deployment</a:t>
+            </a:r>
+          </a:p>
+        </p:txBody>
+      </p:sp>
+      <p:sp>
+        <p:nvSpPr>
+          <p:cNvPr id="80" name="TextBox 79">
+            <a:extLst>
+              <a:ext uri="{FF2B5EF4-FFF2-40B4-BE49-F238E27FC236}">
+                <a16:creationId xmlns:a16="http://schemas.microsoft.com/office/drawing/2014/main" id="{8E9187D9-255D-764F-9738-08D218692AC6}"/>
+              </a:ext>
+            </a:extLst>
+          </p:cNvPr>
+          <p:cNvSpPr txBox="1"/>
+          <p:nvPr/>
+        </p:nvSpPr>
+        <p:spPr>
+          <a:xfrm>
+            <a:off x="321296" y="3931128"/>
+            <a:ext cx="1806905" cy="523220"/>
           </a:xfrm>
           <a:prstGeom prst="rect">
             <a:avLst/>
@@ -12375,28 +12431,28 @@
           <a:lstStyle/>
           <a:p>
             <a:r>
-              <a:rPr lang="en-US" sz="1100" dirty="0">
+              <a:rPr lang="en-US" sz="1400" dirty="0">
                 <a:latin typeface="Trebuchet MS" panose="020B0703020202090204" pitchFamily="34" charset="0"/>
               </a:rPr>
-              <a:t>3. Select Edge nodes </a:t>
-            </a:r>
-          </a:p>
-          <a:p>
-            <a:r>
-              <a:rPr lang="en-US" sz="1100" dirty="0">
+              <a:t>2. Build application </a:t>
+            </a:r>
+          </a:p>
+          <a:p>
+            <a:r>
+              <a:rPr lang="en-US" sz="1400" dirty="0">
                 <a:latin typeface="Trebuchet MS" panose="020B0703020202090204" pitchFamily="34" charset="0"/>
               </a:rPr>
-              <a:t>       for development and deployment</a:t>
+              <a:t>      for the Edge</a:t>
             </a:r>
           </a:p>
         </p:txBody>
       </p:sp>
       <p:sp>
         <p:nvSpPr>
-          <p:cNvPr id="80" name="TextBox 79">
-            <a:extLst>
-              <a:ext uri="{FF2B5EF4-FFF2-40B4-BE49-F238E27FC236}">
-                <a16:creationId xmlns:a16="http://schemas.microsoft.com/office/drawing/2014/main" id="{8E9187D9-255D-764F-9738-08D218692AC6}"/>
+          <p:cNvPr id="81" name="TextBox 80">
+            <a:extLst>
+              <a:ext uri="{FF2B5EF4-FFF2-40B4-BE49-F238E27FC236}">
+                <a16:creationId xmlns:a16="http://schemas.microsoft.com/office/drawing/2014/main" id="{B722FC2D-08FD-AA4A-B1EE-466A45BAA9F2}"/>
               </a:ext>
             </a:extLst>
           </p:cNvPr>
@@ -12405,8 +12461,8 @@
         </p:nvSpPr>
         <p:spPr>
           <a:xfrm>
-            <a:off x="400835" y="3304591"/>
-            <a:ext cx="1462260" cy="430887"/>
+            <a:off x="388705" y="2965725"/>
+            <a:ext cx="1992853" cy="307777"/>
           </a:xfrm>
           <a:prstGeom prst="rect">
             <a:avLst/>
@@ -12420,59 +12476,10 @@
           <a:lstStyle/>
           <a:p>
             <a:r>
-              <a:rPr lang="en-US" sz="1100" dirty="0">
+              <a:rPr lang="en-US" sz="1400" dirty="0">
                 <a:latin typeface="Trebuchet MS" panose="020B0703020202090204" pitchFamily="34" charset="0"/>
               </a:rPr>
-              <a:t>2. Build application </a:t>
-            </a:r>
-          </a:p>
-          <a:p>
-            <a:r>
-              <a:rPr lang="en-US" sz="1100" dirty="0">
-                <a:latin typeface="Trebuchet MS" panose="020B0703020202090204" pitchFamily="34" charset="0"/>
-              </a:rPr>
-              <a:t>      for the Edge</a:t>
-            </a:r>
-          </a:p>
-        </p:txBody>
-      </p:sp>
-      <p:sp>
-        <p:nvSpPr>
-          <p:cNvPr id="81" name="TextBox 80">
-            <a:extLst>
-              <a:ext uri="{FF2B5EF4-FFF2-40B4-BE49-F238E27FC236}">
-                <a16:creationId xmlns:a16="http://schemas.microsoft.com/office/drawing/2014/main" id="{B722FC2D-08FD-AA4A-B1EE-466A45BAA9F2}"/>
-              </a:ext>
-            </a:extLst>
-          </p:cNvPr>
-          <p:cNvSpPr txBox="1"/>
-          <p:nvPr/>
-        </p:nvSpPr>
-        <p:spPr>
-          <a:xfrm>
-            <a:off x="386014" y="3020953"/>
-            <a:ext cx="1577676" cy="261610"/>
-          </a:xfrm>
-          <a:prstGeom prst="rect">
-            <a:avLst/>
-          </a:prstGeom>
-          <a:noFill/>
-        </p:spPr>
-        <p:txBody>
-          <a:bodyPr wrap="none" rtlCol="0">
-            <a:spAutoFit/>
-          </a:bodyPr>
-          <a:lstStyle/>
-          <a:p>
-            <a:r>
-              <a:rPr lang="en-US" sz="1100" dirty="0"/>
-              <a:t>1. </a:t>
-            </a:r>
-            <a:r>
-              <a:rPr lang="en-US" sz="1100" dirty="0">
-                <a:latin typeface="Trebuchet MS" panose="020B0703020202090204" pitchFamily="34" charset="0"/>
-              </a:rPr>
-              <a:t>Develop application</a:t>
+              <a:t>1. Develop application</a:t>
             </a:r>
           </a:p>
         </p:txBody>
@@ -12499,7 +12506,7 @@
           <a:prstGeom prst="straightConnector1">
             <a:avLst/>
           </a:prstGeom>
-          <a:ln>
+          <a:ln w="25400">
             <a:headEnd type="none"/>
             <a:tailEnd type="triangle"/>
           </a:ln>
@@ -12543,7 +12550,7 @@
               <a:gd name="adj1" fmla="val -714"/>
             </a:avLst>
           </a:prstGeom>
-          <a:ln>
+          <a:ln w="25400">
             <a:tailEnd type="triangle"/>
           </a:ln>
         </p:spPr>
@@ -12586,7 +12593,7 @@
               <a:gd name="adj1" fmla="val -479"/>
             </a:avLst>
           </a:prstGeom>
-          <a:ln>
+          <a:ln w="25400">
             <a:tailEnd type="triangle"/>
           </a:ln>
         </p:spPr>

--- a/images/Edge-samples-figures.pptx
+++ b/images/Edge-samples-figures.pptx
@@ -9556,7 +9556,7 @@
         </p:nvSpPr>
         <p:spPr>
           <a:xfrm>
-            <a:off x="767805" y="5043966"/>
+            <a:off x="501070" y="4791367"/>
             <a:ext cx="3442478" cy="523220"/>
           </a:xfrm>
           <a:prstGeom prst="rect">
@@ -10695,7 +10695,7 @@
         </p:nvSpPr>
         <p:spPr>
           <a:xfrm>
-            <a:off x="799315" y="6348829"/>
+            <a:off x="565805" y="5813416"/>
             <a:ext cx="2159502" cy="307777"/>
           </a:xfrm>
           <a:prstGeom prst="rect">
@@ -10732,7 +10732,7 @@
         </p:nvSpPr>
         <p:spPr>
           <a:xfrm>
-            <a:off x="799315" y="5630220"/>
+            <a:off x="567846" y="5314587"/>
             <a:ext cx="3708066" cy="523220"/>
           </a:xfrm>
           <a:prstGeom prst="rect">
@@ -11028,6 +11028,43 @@
           </a:fontRef>
         </p:style>
       </p:cxnSp>
+      <p:sp>
+        <p:nvSpPr>
+          <p:cNvPr id="35" name="TextBox 34">
+            <a:extLst>
+              <a:ext uri="{FF2B5EF4-FFF2-40B4-BE49-F238E27FC236}">
+                <a16:creationId xmlns:a16="http://schemas.microsoft.com/office/drawing/2014/main" id="{2870DF40-6C9F-CF4D-9FAB-33C9E29C1C13}"/>
+              </a:ext>
+            </a:extLst>
+          </p:cNvPr>
+          <p:cNvSpPr txBox="1"/>
+          <p:nvPr/>
+        </p:nvSpPr>
+        <p:spPr>
+          <a:xfrm>
+            <a:off x="565805" y="6290467"/>
+            <a:ext cx="2164375" cy="307777"/>
+          </a:xfrm>
+          <a:prstGeom prst="rect">
+            <a:avLst/>
+          </a:prstGeom>
+          <a:noFill/>
+        </p:spPr>
+        <p:txBody>
+          <a:bodyPr wrap="none" rtlCol="0">
+            <a:spAutoFit/>
+          </a:bodyPr>
+          <a:lstStyle/>
+          <a:p>
+            <a:r>
+              <a:rPr lang="en-US" sz="1400" dirty="0">
+                <a:latin typeface="Trebuchet MS" panose="020B0703020202090204" pitchFamily="34" charset="0"/>
+              </a:rPr>
+              <a:t>7. Un-deploy application</a:t>
+            </a:r>
+          </a:p>
+        </p:txBody>
+      </p:sp>
     </p:spTree>
     <p:extLst>
       <p:ext uri="{BB962C8B-B14F-4D97-AF65-F5344CB8AC3E}">
@@ -11389,7 +11426,7 @@
         </p:nvSpPr>
         <p:spPr>
           <a:xfrm>
-            <a:off x="843266" y="1537426"/>
+            <a:off x="840210" y="1167003"/>
             <a:ext cx="3573273" cy="523220"/>
           </a:xfrm>
           <a:prstGeom prst="rect">
@@ -11484,12 +11521,12 @@
         </p:nvCxnSpPr>
         <p:spPr>
           <a:xfrm rot="16200000" flipH="1">
-            <a:off x="124178" y="1954380"/>
-            <a:ext cx="2076060" cy="1547004"/>
+            <a:off x="283801" y="1794756"/>
+            <a:ext cx="2099836" cy="1890027"/>
           </a:xfrm>
           <a:prstGeom prst="bentConnector3">
             <a:avLst>
-              <a:gd name="adj1" fmla="val 100120"/>
+              <a:gd name="adj1" fmla="val 99553"/>
             </a:avLst>
           </a:prstGeom>
           <a:ln w="25400">
@@ -11525,7 +11562,7 @@
         </p:nvSpPr>
         <p:spPr>
           <a:xfrm>
-            <a:off x="2055014" y="3273502"/>
+            <a:off x="2454112" y="3284805"/>
             <a:ext cx="670293" cy="902207"/>
           </a:xfrm>
           <a:prstGeom prst="roundRect">
@@ -12297,7 +12334,7 @@
         </p:nvSpPr>
         <p:spPr>
           <a:xfrm>
-            <a:off x="1093099" y="6336381"/>
+            <a:off x="710290" y="2179323"/>
             <a:ext cx="2159502" cy="307777"/>
           </a:xfrm>
           <a:prstGeom prst="rect">
@@ -12334,7 +12371,7 @@
         </p:nvSpPr>
         <p:spPr>
           <a:xfrm>
-            <a:off x="705417" y="2242544"/>
+            <a:off x="695868" y="1665607"/>
             <a:ext cx="3708066" cy="307777"/>
           </a:xfrm>
           <a:prstGeom prst="rect">
@@ -12371,8 +12408,8 @@
         </p:nvSpPr>
         <p:spPr>
           <a:xfrm>
-            <a:off x="997084" y="911574"/>
-            <a:ext cx="3265635" cy="523220"/>
+            <a:off x="985833" y="836198"/>
+            <a:ext cx="4640159" cy="307777"/>
           </a:xfrm>
           <a:prstGeom prst="rect">
             <a:avLst/>
@@ -12389,15 +12426,7 @@
               <a:rPr lang="en-US" sz="1400" dirty="0">
                 <a:latin typeface="Trebuchet MS" panose="020B0703020202090204" pitchFamily="34" charset="0"/>
               </a:rPr>
-              <a:t>3. Select Edge nodes </a:t>
-            </a:r>
-          </a:p>
-          <a:p>
-            <a:r>
-              <a:rPr lang="en-US" sz="1400" dirty="0">
-                <a:latin typeface="Trebuchet MS" panose="020B0703020202090204" pitchFamily="34" charset="0"/>
-              </a:rPr>
-              <a:t>       for development and deployment</a:t>
+              <a:t>3. Select Edge nodes for development and deployment</a:t>
             </a:r>
           </a:p>
         </p:txBody>
@@ -12416,7 +12445,7 @@
         </p:nvSpPr>
         <p:spPr>
           <a:xfrm>
-            <a:off x="321296" y="3931128"/>
+            <a:off x="417675" y="3912455"/>
             <a:ext cx="1806905" cy="523220"/>
           </a:xfrm>
           <a:prstGeom prst="rect">
@@ -12461,7 +12490,7 @@
         </p:nvSpPr>
         <p:spPr>
           <a:xfrm>
-            <a:off x="388705" y="2965725"/>
+            <a:off x="400835" y="3398307"/>
             <a:ext cx="1992853" cy="307777"/>
           </a:xfrm>
           <a:prstGeom prst="rect">
@@ -12500,8 +12529,8 @@
         </p:nvCxnSpPr>
         <p:spPr>
           <a:xfrm>
-            <a:off x="2810396" y="3748604"/>
-            <a:ext cx="795234" cy="0"/>
+            <a:off x="3252601" y="3789688"/>
+            <a:ext cx="384748" cy="0"/>
           </a:xfrm>
           <a:prstGeom prst="straightConnector1">
             <a:avLst/>
@@ -12569,49 +12598,43 @@
           </a:fontRef>
         </p:style>
       </p:cxnSp>
-      <p:cxnSp>
-        <p:nvCxnSpPr>
-          <p:cNvPr id="84" name="Connector: Elbow 50">
-            <a:extLst>
-              <a:ext uri="{FF2B5EF4-FFF2-40B4-BE49-F238E27FC236}">
-                <a16:creationId xmlns:a16="http://schemas.microsoft.com/office/drawing/2014/main" id="{3CAA1204-4D78-D04D-B79D-2F1092790E2F}"/>
-              </a:ext>
-            </a:extLst>
-          </p:cNvPr>
-          <p:cNvCxnSpPr>
-            <a:cxnSpLocks/>
-          </p:cNvCxnSpPr>
+      <p:sp>
+        <p:nvSpPr>
+          <p:cNvPr id="35" name="TextBox 34">
+            <a:extLst>
+              <a:ext uri="{FF2B5EF4-FFF2-40B4-BE49-F238E27FC236}">
+                <a16:creationId xmlns:a16="http://schemas.microsoft.com/office/drawing/2014/main" id="{8BE8B0A6-7D6A-B44B-83A2-BA036649740A}"/>
+              </a:ext>
+            </a:extLst>
+          </p:cNvPr>
+          <p:cNvSpPr txBox="1"/>
           <p:nvPr/>
-        </p:nvCxnSpPr>
+        </p:nvSpPr>
         <p:spPr>
           <a:xfrm>
-            <a:off x="198720" y="1637874"/>
-            <a:ext cx="4580648" cy="4557067"/>
-          </a:xfrm>
-          <a:prstGeom prst="bentConnector3">
-            <a:avLst>
-              <a:gd name="adj1" fmla="val -479"/>
-            </a:avLst>
+            <a:off x="719297" y="2490184"/>
+            <a:ext cx="2164375" cy="307777"/>
+          </a:xfrm>
+          <a:prstGeom prst="rect">
+            <a:avLst/>
           </a:prstGeom>
-          <a:ln w="25400">
-            <a:tailEnd type="triangle"/>
-          </a:ln>
+          <a:noFill/>
         </p:spPr>
-        <p:style>
-          <a:lnRef idx="1">
-            <a:schemeClr val="accent1"/>
-          </a:lnRef>
-          <a:fillRef idx="0">
-            <a:schemeClr val="accent1"/>
-          </a:fillRef>
-          <a:effectRef idx="0">
-            <a:schemeClr val="accent1"/>
-          </a:effectRef>
-          <a:fontRef idx="minor">
-            <a:schemeClr val="tx1"/>
-          </a:fontRef>
-        </p:style>
-      </p:cxnSp>
+        <p:txBody>
+          <a:bodyPr wrap="none" rtlCol="0">
+            <a:spAutoFit/>
+          </a:bodyPr>
+          <a:lstStyle/>
+          <a:p>
+            <a:r>
+              <a:rPr lang="en-US" sz="1400" dirty="0">
+                <a:latin typeface="Trebuchet MS" panose="020B0703020202090204" pitchFamily="34" charset="0"/>
+              </a:rPr>
+              <a:t>7. Un-deploy application</a:t>
+            </a:r>
+          </a:p>
+        </p:txBody>
+      </p:sp>
     </p:spTree>
     <p:extLst>
       <p:ext uri="{BB962C8B-B14F-4D97-AF65-F5344CB8AC3E}">

--- a/images/Edge-samples-figures.pptx
+++ b/images/Edge-samples-figures.pptx
@@ -9588,6 +9588,15 @@
               <a:defRPr/>
             </a:pPr>
             <a:r>
+              <a:rPr lang="en-US" sz="1400" dirty="0">
+                <a:solidFill>
+                  <a:prstClr val="black"/>
+                </a:solidFill>
+                <a:latin typeface="Trebuchet MS" panose="020B0603020202020204"/>
+              </a:rPr>
+              <a:t>3</a:t>
+            </a:r>
+            <a:r>
               <a:rPr kumimoji="0" lang="en-US" sz="1400" b="0" i="0" u="none" strike="noStrike" kern="1200" cap="none" spc="0" normalizeH="0" baseline="0" noProof="0" dirty="0">
                 <a:ln>
                   <a:noFill/>
@@ -9602,7 +9611,7 @@
                 <a:ea typeface="+mn-ea"/>
                 <a:cs typeface="+mn-cs"/>
               </a:rPr>
-              <a:t>4. Develop/Publish Application Package</a:t>
+              <a:t>. Develop/Publish Application Package</a:t>
             </a:r>
           </a:p>
           <a:p>
@@ -10713,7 +10722,7 @@
               <a:rPr lang="en-US" sz="1400" dirty="0">
                 <a:latin typeface="Trebuchet MS" panose="020B0703020202090204" pitchFamily="34" charset="0"/>
               </a:rPr>
-              <a:t>6. View the runtime logs</a:t>
+              <a:t>5. View the runtime logs</a:t>
             </a:r>
           </a:p>
         </p:txBody>
@@ -10750,7 +10759,7 @@
               <a:rPr lang="en-US" sz="1400" dirty="0">
                 <a:latin typeface="Trebuchet MS" panose="020B0703020202090204" pitchFamily="34" charset="0"/>
               </a:rPr>
-              <a:t>5. Deploy application package to Edge node</a:t>
+              <a:t>4. Deploy application package to Edge node</a:t>
             </a:r>
           </a:p>
           <a:p>
@@ -10795,7 +10804,7 @@
               <a:rPr lang="en-US" sz="1400" dirty="0">
                 <a:latin typeface="Trebuchet MS" panose="020B0703020202090204" pitchFamily="34" charset="0"/>
               </a:rPr>
-              <a:t>3. Select Edge nodes </a:t>
+              <a:t>2. Select Edge nodes </a:t>
             </a:r>
           </a:p>
           <a:p>
@@ -10810,10 +10819,10 @@
       </p:sp>
       <p:sp>
         <p:nvSpPr>
-          <p:cNvPr id="80" name="TextBox 79">
-            <a:extLst>
-              <a:ext uri="{FF2B5EF4-FFF2-40B4-BE49-F238E27FC236}">
-                <a16:creationId xmlns:a16="http://schemas.microsoft.com/office/drawing/2014/main" id="{8E9187D9-255D-764F-9738-08D218692AC6}"/>
+          <p:cNvPr id="81" name="TextBox 80">
+            <a:extLst>
+              <a:ext uri="{FF2B5EF4-FFF2-40B4-BE49-F238E27FC236}">
+                <a16:creationId xmlns:a16="http://schemas.microsoft.com/office/drawing/2014/main" id="{B722FC2D-08FD-AA4A-B1EE-466A45BAA9F2}"/>
               </a:ext>
             </a:extLst>
           </p:cNvPr>
@@ -10822,8 +10831,8 @@
         </p:nvSpPr>
         <p:spPr>
           <a:xfrm>
-            <a:off x="388136" y="3242692"/>
-            <a:ext cx="1760418" cy="523220"/>
+            <a:off x="388705" y="2940757"/>
+            <a:ext cx="2860568" cy="523220"/>
           </a:xfrm>
           <a:prstGeom prst="rect">
             <a:avLst/>
@@ -10831,71 +10840,19 @@
           <a:noFill/>
         </p:spPr>
         <p:txBody>
-          <a:bodyPr wrap="none" rtlCol="0">
+          <a:bodyPr wrap="square" rtlCol="0">
             <a:spAutoFit/>
           </a:bodyPr>
           <a:lstStyle/>
           <a:p>
-            <a:r>
-              <a:rPr lang="en-US" sz="1100" dirty="0">
-                <a:latin typeface="Trebuchet MS" panose="020B0703020202090204" pitchFamily="34" charset="0"/>
-              </a:rPr>
-              <a:t>2. </a:t>
-            </a:r>
+            <a:pPr marL="342900" indent="-342900">
+              <a:buAutoNum type="arabicPeriod"/>
+            </a:pPr>
             <a:r>
               <a:rPr lang="en-US" sz="1400" dirty="0">
                 <a:latin typeface="Trebuchet MS" panose="020B0703020202090204" pitchFamily="34" charset="0"/>
               </a:rPr>
-              <a:t>Build application </a:t>
-            </a:r>
-          </a:p>
-          <a:p>
-            <a:r>
-              <a:rPr lang="en-US" sz="1400" dirty="0">
-                <a:latin typeface="Trebuchet MS" panose="020B0703020202090204" pitchFamily="34" charset="0"/>
-              </a:rPr>
-              <a:t>      for the Edge</a:t>
-            </a:r>
-          </a:p>
-        </p:txBody>
-      </p:sp>
-      <p:sp>
-        <p:nvSpPr>
-          <p:cNvPr id="81" name="TextBox 80">
-            <a:extLst>
-              <a:ext uri="{FF2B5EF4-FFF2-40B4-BE49-F238E27FC236}">
-                <a16:creationId xmlns:a16="http://schemas.microsoft.com/office/drawing/2014/main" id="{B722FC2D-08FD-AA4A-B1EE-466A45BAA9F2}"/>
-              </a:ext>
-            </a:extLst>
-          </p:cNvPr>
-          <p:cNvSpPr txBox="1"/>
-          <p:nvPr/>
-        </p:nvSpPr>
-        <p:spPr>
-          <a:xfrm>
-            <a:off x="410266" y="2934915"/>
-            <a:ext cx="1954381" cy="307777"/>
-          </a:xfrm>
-          <a:prstGeom prst="rect">
-            <a:avLst/>
-          </a:prstGeom>
-          <a:noFill/>
-        </p:spPr>
-        <p:txBody>
-          <a:bodyPr wrap="none" rtlCol="0">
-            <a:spAutoFit/>
-          </a:bodyPr>
-          <a:lstStyle/>
-          <a:p>
-            <a:r>
-              <a:rPr lang="en-US" sz="1400" dirty="0"/>
-              <a:t>1. </a:t>
-            </a:r>
-            <a:r>
-              <a:rPr lang="en-US" sz="1400" dirty="0">
-                <a:latin typeface="Trebuchet MS" panose="020B0703020202090204" pitchFamily="34" charset="0"/>
-              </a:rPr>
-              <a:t>Develop application</a:t>
+              <a:t>Develop &amp; Build application for the Edge</a:t>
             </a:r>
           </a:p>
         </p:txBody>
@@ -11060,7 +11017,7 @@
               <a:rPr lang="en-US" sz="1400" dirty="0">
                 <a:latin typeface="Trebuchet MS" panose="020B0703020202090204" pitchFamily="34" charset="0"/>
               </a:rPr>
-              <a:t>7. Un-deploy application</a:t>
+              <a:t>6. Un-deploy application</a:t>
             </a:r>
           </a:p>
         </p:txBody>
@@ -11426,7 +11383,7 @@
         </p:nvSpPr>
         <p:spPr>
           <a:xfrm>
-            <a:off x="840210" y="1167003"/>
+            <a:off x="585061" y="850529"/>
             <a:ext cx="3573273" cy="523220"/>
           </a:xfrm>
           <a:prstGeom prst="rect">
@@ -11458,6 +11415,15 @@
               <a:defRPr/>
             </a:pPr>
             <a:r>
+              <a:rPr lang="en-US" sz="1400" dirty="0">
+                <a:solidFill>
+                  <a:prstClr val="black"/>
+                </a:solidFill>
+                <a:latin typeface="Trebuchet MS" panose="020B0603020202020204"/>
+              </a:rPr>
+              <a:t>2</a:t>
+            </a:r>
+            <a:r>
               <a:rPr kumimoji="0" lang="en-US" sz="1400" b="0" i="0" u="none" strike="noStrike" kern="1200" cap="none" spc="0" normalizeH="0" baseline="0" noProof="0" dirty="0">
                 <a:ln>
                   <a:noFill/>
@@ -11472,7 +11438,7 @@
                 <a:ea typeface="+mn-ea"/>
                 <a:cs typeface="+mn-cs"/>
               </a:rPr>
-              <a:t>4. Develop/Publish Application Package</a:t>
+              <a:t>. Develop/Publish Application Package</a:t>
             </a:r>
           </a:p>
           <a:p>
@@ -12334,7 +12300,7 @@
         </p:nvSpPr>
         <p:spPr>
           <a:xfrm>
-            <a:off x="710290" y="2179323"/>
+            <a:off x="727796" y="1684542"/>
             <a:ext cx="2159502" cy="307777"/>
           </a:xfrm>
           <a:prstGeom prst="rect">
@@ -12352,7 +12318,7 @@
               <a:rPr lang="en-US" sz="1400" dirty="0">
                 <a:latin typeface="Trebuchet MS" panose="020B0703020202090204" pitchFamily="34" charset="0"/>
               </a:rPr>
-              <a:t>6. View the runtime logs</a:t>
+              <a:t>4. View the runtime logs</a:t>
             </a:r>
           </a:p>
         </p:txBody>
@@ -12371,7 +12337,7 @@
         </p:nvSpPr>
         <p:spPr>
           <a:xfrm>
-            <a:off x="695868" y="1665607"/>
+            <a:off x="727796" y="1370218"/>
             <a:ext cx="3708066" cy="307777"/>
           </a:xfrm>
           <a:prstGeom prst="rect">
@@ -12389,17 +12355,17 @@
               <a:rPr lang="en-US" sz="1400" dirty="0">
                 <a:latin typeface="Trebuchet MS" panose="020B0703020202090204" pitchFamily="34" charset="0"/>
               </a:rPr>
-              <a:t>5. Deploy application package to Edge node</a:t>
+              <a:t>3. Deploy application package to Edge node</a:t>
             </a:r>
           </a:p>
         </p:txBody>
       </p:sp>
       <p:sp>
         <p:nvSpPr>
-          <p:cNvPr id="79" name="TextBox 78">
-            <a:extLst>
-              <a:ext uri="{FF2B5EF4-FFF2-40B4-BE49-F238E27FC236}">
-                <a16:creationId xmlns:a16="http://schemas.microsoft.com/office/drawing/2014/main" id="{C685E311-394D-4847-97A6-C8A891F2CA40}"/>
+          <p:cNvPr id="80" name="TextBox 79">
+            <a:extLst>
+              <a:ext uri="{FF2B5EF4-FFF2-40B4-BE49-F238E27FC236}">
+                <a16:creationId xmlns:a16="http://schemas.microsoft.com/office/drawing/2014/main" id="{8E9187D9-255D-764F-9738-08D218692AC6}"/>
               </a:ext>
             </a:extLst>
           </p:cNvPr>
@@ -12408,45 +12374,8 @@
         </p:nvSpPr>
         <p:spPr>
           <a:xfrm>
-            <a:off x="985833" y="836198"/>
-            <a:ext cx="4640159" cy="307777"/>
-          </a:xfrm>
-          <a:prstGeom prst="rect">
-            <a:avLst/>
-          </a:prstGeom>
-          <a:noFill/>
-        </p:spPr>
-        <p:txBody>
-          <a:bodyPr wrap="square" rtlCol="0">
-            <a:spAutoFit/>
-          </a:bodyPr>
-          <a:lstStyle/>
-          <a:p>
-            <a:r>
-              <a:rPr lang="en-US" sz="1400" dirty="0">
-                <a:latin typeface="Trebuchet MS" panose="020B0703020202090204" pitchFamily="34" charset="0"/>
-              </a:rPr>
-              <a:t>3. Select Edge nodes for development and deployment</a:t>
-            </a:r>
-          </a:p>
-        </p:txBody>
-      </p:sp>
-      <p:sp>
-        <p:nvSpPr>
-          <p:cNvPr id="80" name="TextBox 79">
-            <a:extLst>
-              <a:ext uri="{FF2B5EF4-FFF2-40B4-BE49-F238E27FC236}">
-                <a16:creationId xmlns:a16="http://schemas.microsoft.com/office/drawing/2014/main" id="{8E9187D9-255D-764F-9738-08D218692AC6}"/>
-              </a:ext>
-            </a:extLst>
-          </p:cNvPr>
-          <p:cNvSpPr txBox="1"/>
-          <p:nvPr/>
-        </p:nvSpPr>
-        <p:spPr>
-          <a:xfrm>
-            <a:off x="417675" y="3912455"/>
-            <a:ext cx="1806905" cy="523220"/>
+            <a:off x="184441" y="4176207"/>
+            <a:ext cx="2685351" cy="523220"/>
           </a:xfrm>
           <a:prstGeom prst="rect">
             <a:avLst/>
@@ -12463,7 +12392,7 @@
               <a:rPr lang="en-US" sz="1400" dirty="0">
                 <a:latin typeface="Trebuchet MS" panose="020B0703020202090204" pitchFamily="34" charset="0"/>
               </a:rPr>
-              <a:t>2. Build application </a:t>
+              <a:t>1. Develop &amp; Build application </a:t>
             </a:r>
           </a:p>
           <a:p>
@@ -12472,43 +12401,6 @@
                 <a:latin typeface="Trebuchet MS" panose="020B0703020202090204" pitchFamily="34" charset="0"/>
               </a:rPr>
               <a:t>      for the Edge</a:t>
-            </a:r>
-          </a:p>
-        </p:txBody>
-      </p:sp>
-      <p:sp>
-        <p:nvSpPr>
-          <p:cNvPr id="81" name="TextBox 80">
-            <a:extLst>
-              <a:ext uri="{FF2B5EF4-FFF2-40B4-BE49-F238E27FC236}">
-                <a16:creationId xmlns:a16="http://schemas.microsoft.com/office/drawing/2014/main" id="{B722FC2D-08FD-AA4A-B1EE-466A45BAA9F2}"/>
-              </a:ext>
-            </a:extLst>
-          </p:cNvPr>
-          <p:cNvSpPr txBox="1"/>
-          <p:nvPr/>
-        </p:nvSpPr>
-        <p:spPr>
-          <a:xfrm>
-            <a:off x="400835" y="3398307"/>
-            <a:ext cx="1992853" cy="307777"/>
-          </a:xfrm>
-          <a:prstGeom prst="rect">
-            <a:avLst/>
-          </a:prstGeom>
-          <a:noFill/>
-        </p:spPr>
-        <p:txBody>
-          <a:bodyPr wrap="none" rtlCol="0">
-            <a:spAutoFit/>
-          </a:bodyPr>
-          <a:lstStyle/>
-          <a:p>
-            <a:r>
-              <a:rPr lang="en-US" sz="1400" dirty="0">
-                <a:latin typeface="Trebuchet MS" panose="020B0703020202090204" pitchFamily="34" charset="0"/>
-              </a:rPr>
-              <a:t>1. Develop application</a:t>
             </a:r>
           </a:p>
         </p:txBody>
@@ -12612,7 +12504,7 @@
         </p:nvSpPr>
         <p:spPr>
           <a:xfrm>
-            <a:off x="719297" y="2490184"/>
+            <a:off x="727796" y="2221273"/>
             <a:ext cx="2164375" cy="307777"/>
           </a:xfrm>
           <a:prstGeom prst="rect">
@@ -12630,7 +12522,7 @@
               <a:rPr lang="en-US" sz="1400" dirty="0">
                 <a:latin typeface="Trebuchet MS" panose="020B0703020202090204" pitchFamily="34" charset="0"/>
               </a:rPr>
-              <a:t>7. Un-deploy application</a:t>
+              <a:t>5. Un-deploy application</a:t>
             </a:r>
           </a:p>
         </p:txBody>
